--- a/Presentación Ingeniería de software.pptx
+++ b/Presentación Ingeniería de software.pptx
@@ -13888,10 +13888,7 @@
             <a:endParaRPr/>
           </a:p>
           <a:p>
-            <a:pPr indent="-342900" lvl="0" marL="457200" marR="0" rtl="0" algn="l">
-              <a:lnSpc>
-                <a:spcPct val="100000"/>
-              </a:lnSpc>
+            <a:pPr indent="-342900" lvl="0" marL="457200" rtl="0" algn="l">
               <a:spcBef>
                 <a:spcPts val="0"/>
               </a:spcBef>
@@ -13903,7 +13900,33 @@
             </a:pPr>
             <a:r>
               <a:rPr lang="es"/>
-              <a:t>Diseñar una aplicación que permita gestionar el proceso de atención de pacientes hospitalizados en su casa.</a:t>
+              <a:t>Mala </a:t>
+            </a:r>
+            <a:r>
+              <a:rPr lang="es"/>
+              <a:t>comunicación entre</a:t>
+            </a:r>
+            <a:r>
+              <a:rPr lang="es"/>
+              <a:t> paciente - usuario</a:t>
+            </a:r>
+            <a:endParaRPr/>
+          </a:p>
+          <a:p>
+            <a:pPr indent="0" lvl="0" marL="457200" marR="0" rtl="0" algn="l">
+              <a:lnSpc>
+                <a:spcPct val="100000"/>
+              </a:lnSpc>
+              <a:spcBef>
+                <a:spcPts val="0"/>
+              </a:spcBef>
+              <a:spcAft>
+                <a:spcPts val="0"/>
+              </a:spcAft>
+              <a:buNone/>
+            </a:pPr>
+            <a:r>
+              <a:t/>
             </a:r>
             <a:endParaRPr/>
           </a:p>
@@ -14028,6 +14051,23 @@
             <a:noAutofit/>
           </a:bodyPr>
           <a:lstStyle/>
+          <a:p>
+            <a:pPr indent="-342900" lvl="0" marL="457200" rtl="0" algn="l">
+              <a:spcBef>
+                <a:spcPts val="0"/>
+              </a:spcBef>
+              <a:spcAft>
+                <a:spcPts val="0"/>
+              </a:spcAft>
+              <a:buSzPts val="1800"/>
+              <a:buChar char="●"/>
+            </a:pPr>
+            <a:r>
+              <a:rPr lang="es"/>
+              <a:t>Diseñar una aplicación</a:t>
+            </a:r>
+            <a:endParaRPr/>
+          </a:p>
           <a:p>
             <a:pPr indent="-342900" lvl="0" marL="457200" rtl="0" algn="l">
               <a:spcBef>
@@ -14231,18 +14271,15 @@
           </a:bodyPr>
           <a:lstStyle/>
           <a:p>
-            <a:pPr indent="0" lvl="0" marL="0" rtl="0" algn="l">
-              <a:spcBef>
-                <a:spcPts val="0"/>
-              </a:spcBef>
-              <a:spcAft>
-                <a:spcPts val="0"/>
-              </a:spcAft>
-              <a:buClr>
-                <a:schemeClr val="dk1"/>
-              </a:buClr>
+            <a:pPr indent="-342900" lvl="0" marL="457200" rtl="0" algn="l">
+              <a:spcBef>
+                <a:spcPts val="0"/>
+              </a:spcBef>
+              <a:spcAft>
+                <a:spcPts val="0"/>
+              </a:spcAft>
               <a:buSzPts val="1800"/>
-              <a:buNone/>
+              <a:buChar char="●"/>
             </a:pPr>
             <a:r>
               <a:rPr lang="es"/>
@@ -14275,18 +14312,15 @@
             <a:endParaRPr/>
           </a:p>
           <a:p>
-            <a:pPr indent="0" lvl="0" marL="0" rtl="0" algn="l">
-              <a:spcBef>
-                <a:spcPts val="1600"/>
-              </a:spcBef>
-              <a:spcAft>
-                <a:spcPts val="0"/>
-              </a:spcAft>
-              <a:buClr>
-                <a:schemeClr val="dk1"/>
-              </a:buClr>
+            <a:pPr indent="-342900" lvl="0" marL="457200" rtl="0" algn="l">
+              <a:spcBef>
+                <a:spcPts val="0"/>
+              </a:spcBef>
+              <a:spcAft>
+                <a:spcPts val="0"/>
+              </a:spcAft>
               <a:buSzPts val="1800"/>
-              <a:buNone/>
+              <a:buChar char="●"/>
             </a:pPr>
             <a:r>
               <a:rPr lang="es"/>
@@ -14303,18 +14337,15 @@
             <a:endParaRPr/>
           </a:p>
           <a:p>
-            <a:pPr indent="0" lvl="0" marL="0" rtl="0" algn="l">
-              <a:spcBef>
-                <a:spcPts val="1600"/>
-              </a:spcBef>
-              <a:spcAft>
-                <a:spcPts val="0"/>
-              </a:spcAft>
-              <a:buClr>
-                <a:schemeClr val="dk1"/>
-              </a:buClr>
+            <a:pPr indent="-342900" lvl="0" marL="457200" rtl="0" algn="l">
+              <a:spcBef>
+                <a:spcPts val="0"/>
+              </a:spcBef>
+              <a:spcAft>
+                <a:spcPts val="0"/>
+              </a:spcAft>
               <a:buSzPts val="1800"/>
-              <a:buNone/>
+              <a:buChar char="●"/>
             </a:pPr>
             <a:r>
               <a:rPr lang="es"/>
@@ -14433,7 +14464,7 @@
         </p:blipFill>
         <p:spPr>
           <a:xfrm>
-            <a:off x="1959625" y="1342847"/>
+            <a:off x="2715875" y="1345422"/>
             <a:ext cx="2711722" cy="2452648"/>
           </a:xfrm>
           <a:prstGeom prst="rect">
@@ -14489,7 +14520,7 @@
         </p:blipFill>
         <p:spPr>
           <a:xfrm>
-            <a:off x="1860525" y="1203222"/>
+            <a:off x="1772250" y="1050797"/>
             <a:ext cx="4731825" cy="3041900"/>
           </a:xfrm>
           <a:prstGeom prst="rect">
